--- a/docs/Useful docs/Practicum Presentation.pptx
+++ b/docs/Useful docs/Practicum Presentation.pptx
@@ -267,7 +267,7 @@
               </a14:hiddenEffects>
             </a:ext>
             <a:ext uri="{FAA26D3D-D897-4be2-8F04-BA451C77F1D7}">
-              <ma14:placeholderFlag xmlns:ma14="http://schemas.microsoft.com/office/mac/drawingml/2011/main" xmlns="" val="1"/>
+              <ma14:placeholderFlag xmlns="" xmlns:ma14="http://schemas.microsoft.com/office/mac/drawingml/2011/main" val="1"/>
             </a:ext>
           </a:extLst>
         </p:spPr>
@@ -342,7 +342,7 @@
               </a14:hiddenEffects>
             </a:ext>
             <a:ext uri="{FAA26D3D-D897-4be2-8F04-BA451C77F1D7}">
-              <ma14:placeholderFlag xmlns:ma14="http://schemas.microsoft.com/office/mac/drawingml/2011/main" xmlns="" val="1"/>
+              <ma14:placeholderFlag xmlns="" xmlns:ma14="http://schemas.microsoft.com/office/mac/drawingml/2011/main" val="1"/>
             </a:ext>
           </a:extLst>
         </p:spPr>
@@ -363,7 +363,7 @@
             <a:fld id="{5E1B578B-7BCF-804E-90A2-F18302903865}" type="datetime1">
               <a:rPr lang="en-GB"/>
               <a:pPr/>
-              <a:t>17/09/2019</a:t>
+              <a:t>15/09/2022</a:t>
             </a:fld>
             <a:endParaRPr lang="en-GB"/>
           </a:p>
@@ -422,7 +422,7 @@
               </a14:hiddenEffects>
             </a:ext>
             <a:ext uri="{FAA26D3D-D897-4be2-8F04-BA451C77F1D7}">
-              <ma14:placeholderFlag xmlns:ma14="http://schemas.microsoft.com/office/mac/drawingml/2011/main" xmlns="" val="1"/>
+              <ma14:placeholderFlag xmlns="" xmlns:ma14="http://schemas.microsoft.com/office/mac/drawingml/2011/main" val="1"/>
             </a:ext>
           </a:extLst>
         </p:spPr>
@@ -497,7 +497,7 @@
               </a14:hiddenEffects>
             </a:ext>
             <a:ext uri="{FAA26D3D-D897-4be2-8F04-BA451C77F1D7}">
-              <ma14:placeholderFlag xmlns:ma14="http://schemas.microsoft.com/office/mac/drawingml/2011/main" xmlns="" val="1"/>
+              <ma14:placeholderFlag xmlns="" xmlns:ma14="http://schemas.microsoft.com/office/mac/drawingml/2011/main" val="1"/>
             </a:ext>
           </a:extLst>
         </p:spPr>
@@ -617,7 +617,7 @@
               </a14:hiddenEffects>
             </a:ext>
             <a:ext uri="{FAA26D3D-D897-4be2-8F04-BA451C77F1D7}">
-              <ma14:placeholderFlag xmlns:ma14="http://schemas.microsoft.com/office/mac/drawingml/2011/main" xmlns="" val="1"/>
+              <ma14:placeholderFlag xmlns="" xmlns:ma14="http://schemas.microsoft.com/office/mac/drawingml/2011/main" val="1"/>
             </a:ext>
           </a:extLst>
         </p:spPr>
@@ -690,7 +690,7 @@
               </a14:hiddenEffects>
             </a:ext>
             <a:ext uri="{FAA26D3D-D897-4be2-8F04-BA451C77F1D7}">
-              <ma14:placeholderFlag xmlns:ma14="http://schemas.microsoft.com/office/mac/drawingml/2011/main" xmlns="" val="1"/>
+              <ma14:placeholderFlag xmlns="" xmlns:ma14="http://schemas.microsoft.com/office/mac/drawingml/2011/main" val="1"/>
             </a:ext>
           </a:extLst>
         </p:spPr>
@@ -709,7 +709,7 @@
             <a:fld id="{9B8C44FF-769C-1A46-B1EF-17937B24BB1C}" type="datetime1">
               <a:rPr lang="en-GB"/>
               <a:pPr/>
-              <a:t>17/09/2019</a:t>
+              <a:t>15/09/2022</a:t>
             </a:fld>
             <a:endParaRPr lang="en-GB"/>
           </a:p>
@@ -814,7 +814,7 @@
               </a14:hiddenEffects>
             </a:ext>
             <a:ext uri="{FAA26D3D-D897-4be2-8F04-BA451C77F1D7}">
-              <ma14:placeholderFlag xmlns:ma14="http://schemas.microsoft.com/office/mac/drawingml/2011/main" xmlns="" val="1"/>
+              <ma14:placeholderFlag xmlns="" xmlns:ma14="http://schemas.microsoft.com/office/mac/drawingml/2011/main" val="1"/>
             </a:ext>
           </a:extLst>
         </p:spPr>
@@ -915,7 +915,7 @@
               </a14:hiddenEffects>
             </a:ext>
             <a:ext uri="{FAA26D3D-D897-4be2-8F04-BA451C77F1D7}">
-              <ma14:placeholderFlag xmlns:ma14="http://schemas.microsoft.com/office/mac/drawingml/2011/main" xmlns="" val="1"/>
+              <ma14:placeholderFlag xmlns="" xmlns:ma14="http://schemas.microsoft.com/office/mac/drawingml/2011/main" val="1"/>
             </a:ext>
           </a:extLst>
         </p:spPr>
@@ -988,7 +988,7 @@
               </a14:hiddenEffects>
             </a:ext>
             <a:ext uri="{FAA26D3D-D897-4be2-8F04-BA451C77F1D7}">
-              <ma14:placeholderFlag xmlns:ma14="http://schemas.microsoft.com/office/mac/drawingml/2011/main" xmlns="" val="1"/>
+              <ma14:placeholderFlag xmlns="" xmlns:ma14="http://schemas.microsoft.com/office/mac/drawingml/2011/main" val="1"/>
             </a:ext>
           </a:extLst>
         </p:spPr>
@@ -3539,7 +3539,7 @@
               </a14:hiddenEffects>
             </a:ext>
             <a:ext uri="{FAA26D3D-D897-4be2-8F04-BA451C77F1D7}">
-              <ma14:placeholderFlag xmlns:ma14="http://schemas.microsoft.com/office/mac/drawingml/2011/main" xmlns="" val="1"/>
+              <ma14:placeholderFlag xmlns="" xmlns:ma14="http://schemas.microsoft.com/office/mac/drawingml/2011/main" val="1"/>
             </a:ext>
           </a:extLst>
         </p:spPr>
@@ -3612,7 +3612,7 @@
               </a14:hiddenEffects>
             </a:ext>
             <a:ext uri="{FAA26D3D-D897-4be2-8F04-BA451C77F1D7}">
-              <ma14:placeholderFlag xmlns:ma14="http://schemas.microsoft.com/office/mac/drawingml/2011/main" xmlns="" val="1"/>
+              <ma14:placeholderFlag xmlns="" xmlns:ma14="http://schemas.microsoft.com/office/mac/drawingml/2011/main" val="1"/>
             </a:ext>
           </a:extLst>
         </p:spPr>
@@ -4194,7 +4194,7 @@
           <a:p>
             <a:r>
               <a:rPr lang="en-IE" dirty="0" smtClean="0"/>
-              <a:t>Practicum 2019-2020</a:t>
+              <a:t>Practicum 2022-23</a:t>
             </a:r>
             <a:endParaRPr lang="en-IE" dirty="0"/>
           </a:p>
@@ -4231,16 +4231,16 @@
           </a:p>
           <a:p>
             <a:r>
-              <a:rPr lang="en-IE" dirty="0" smtClean="0"/>
-              <a:t>Phone: X8456</a:t>
-            </a:r>
-          </a:p>
-          <a:p>
+              <a:rPr lang="en-IE" dirty="0" smtClean="0">
+                <a:hlinkClick r:id="rId2"/>
+              </a:rPr>
+              <a:t>http</a:t>
+            </a:r>
             <a:r>
               <a:rPr lang="en-IE" dirty="0">
                 <a:hlinkClick r:id="rId2"/>
               </a:rPr>
-              <a:t>http://www.dcu.ie/computing/people/andrew-mccarren.shtml</a:t>
+              <a:t>://www.dcu.ie/computing/people/andrew-mccarren.shtml</a:t>
             </a:r>
             <a:endParaRPr lang="en-IE" dirty="0"/>
           </a:p>
@@ -4414,7 +4414,15 @@
             </a:pPr>
             <a:r>
               <a:rPr lang="en-IE" dirty="0" smtClean="0"/>
-              <a:t>Due Early July 2020</a:t>
+              <a:t>Due 31</a:t>
+            </a:r>
+            <a:r>
+              <a:rPr lang="en-IE" baseline="30000" dirty="0" smtClean="0"/>
+              <a:t>st</a:t>
+            </a:r>
+            <a:r>
+              <a:rPr lang="en-IE" dirty="0" smtClean="0"/>
+              <a:t> of July 2023</a:t>
             </a:r>
             <a:endParaRPr lang="en-IE" dirty="0"/>
           </a:p>
@@ -4536,18 +4544,12 @@
               <a:buChar char="•"/>
             </a:pPr>
             <a:r>
+              <a:rPr lang="en-IE" dirty="0" smtClean="0"/>
+              <a:t>Assessors </a:t>
+            </a:r>
+            <a:r>
               <a:rPr lang="en-IE" dirty="0"/>
-              <a:t>(supervisor attendance is optional)</a:t>
-            </a:r>
-          </a:p>
-          <a:p>
-            <a:pPr marL="457200" indent="-457200">
-              <a:buFont typeface="Arial" panose="020B0604020202020204" pitchFamily="34" charset="0"/>
-              <a:buChar char="•"/>
-            </a:pPr>
-            <a:r>
-              <a:rPr lang="en-IE" dirty="0"/>
-              <a:t> Assessors meet to decide an overall mark</a:t>
+              <a:t>meet to decide an overall mark</a:t>
             </a:r>
           </a:p>
         </p:txBody>
@@ -4927,18 +4929,7 @@
               <a:buFont typeface="Arial" panose="020B0604020202020204" pitchFamily="34" charset="0"/>
               <a:buChar char="•"/>
             </a:pPr>
-            <a:r>
-              <a:rPr lang="en-IE" sz="2000" dirty="0"/>
-              <a:t> Neither your supervisor nor any external sponsor plays a role in </a:t>
-            </a:r>
-            <a:r>
-              <a:rPr lang="en-IE" sz="2000" dirty="0" smtClean="0"/>
-              <a:t>marking your </a:t>
-            </a:r>
-            <a:r>
-              <a:rPr lang="en-IE" sz="2000" dirty="0"/>
-              <a:t>practicum (i.e. only the assessors are involved)</a:t>
-            </a:r>
+            <a:endParaRPr lang="en-IE" sz="2000" dirty="0"/>
           </a:p>
         </p:txBody>
       </p:sp>
@@ -6087,8 +6078,21 @@
                   <a:srgbClr val="000000"/>
                 </a:solidFill>
               </a:rPr>
-              <a:t>Approval Panel</a:t>
-            </a:r>
+              <a:t>Approval </a:t>
+            </a:r>
+            <a:r>
+              <a:rPr lang="en-IE" sz="1350" dirty="0" smtClean="0">
+                <a:solidFill>
+                  <a:srgbClr val="000000"/>
+                </a:solidFill>
+              </a:rPr>
+              <a:t>Panel</a:t>
+            </a:r>
+            <a:endParaRPr lang="en-IE" sz="1350" dirty="0">
+              <a:solidFill>
+                <a:srgbClr val="000000"/>
+              </a:solidFill>
+            </a:endParaRPr>
           </a:p>
         </p:txBody>
       </p:sp>
@@ -6368,7 +6372,7 @@
         <p:spPr>
           <a:xfrm>
             <a:off x="1047294" y="5307981"/>
-            <a:ext cx="1380184" cy="521295"/>
+            <a:ext cx="1380184" cy="300082"/>
           </a:xfrm>
           <a:prstGeom prst="rect">
             <a:avLst/>
@@ -6383,13 +6387,18 @@
           <a:p>
             <a:pPr algn="ctr"/>
             <a:r>
-              <a:rPr lang="en-IE" sz="1350" dirty="0">
+              <a:rPr lang="en-IE" sz="1350" dirty="0" smtClean="0">
                 <a:solidFill>
                   <a:srgbClr val="000000"/>
                 </a:solidFill>
               </a:rPr>
-              <a:t>Interim Deliverable</a:t>
-            </a:r>
+              <a:t>Lit review</a:t>
+            </a:r>
+            <a:endParaRPr lang="en-IE" sz="1350" dirty="0">
+              <a:solidFill>
+                <a:srgbClr val="000000"/>
+              </a:solidFill>
+            </a:endParaRPr>
           </a:p>
         </p:txBody>
       </p:sp>
@@ -8036,7 +8045,7 @@
             <p:ph idx="1"/>
             <p:extLst>
               <p:ext uri="{D42A27DB-BD31-4B8C-83A1-F6EECF244321}">
-                <p14:modId xmlns:p14="http://schemas.microsoft.com/office/powerpoint/2010/main" val="3209408658"/>
+                <p14:modId xmlns:p14="http://schemas.microsoft.com/office/powerpoint/2010/main" val="748076261"/>
               </p:ext>
             </p:extLst>
           </p:nvPr>
@@ -8087,7 +8096,7 @@
                           </a:solidFill>
                           <a:effectLst/>
                         </a:rPr>
-                        <a:t>2019</a:t>
+                        <a:t>2022</a:t>
                       </a:r>
                       <a:endParaRPr lang="en-IE" sz="1400" baseline="0" dirty="0">
                         <a:solidFill>
@@ -8324,7 +8333,7 @@
                           </a:solidFill>
                           <a:effectLst/>
                         </a:rPr>
-                        <a:t>8th </a:t>
+                        <a:t>11th </a:t>
                       </a:r>
                       <a:r>
                         <a:rPr lang="en-IE" sz="1050" dirty="0">
@@ -8342,7 +8351,7 @@
                           </a:solidFill>
                           <a:effectLst/>
                         </a:rPr>
-                        <a:t>2019</a:t>
+                        <a:t>2022</a:t>
                       </a:r>
                       <a:endParaRPr lang="en-IE" sz="1050" dirty="0">
                         <a:solidFill>
@@ -8475,13 +8484,13 @@
                     <a:lstStyle/>
                     <a:p>
                       <a:r>
-                        <a:rPr lang="en-IE" sz="1050" dirty="0" smtClean="0">
+                        <a:rPr lang="en-IE" sz="1050" baseline="0" dirty="0" smtClean="0">
                           <a:solidFill>
                             <a:srgbClr val="002060"/>
                           </a:solidFill>
                           <a:effectLst/>
                         </a:rPr>
-                        <a:t>9</a:t>
+                        <a:t>28</a:t>
                       </a:r>
                       <a:r>
                         <a:rPr lang="en-IE" sz="1050" baseline="30000" dirty="0" smtClean="0">
@@ -8499,7 +8508,7 @@
                           </a:solidFill>
                           <a:effectLst/>
                         </a:rPr>
-                        <a:t>-13th </a:t>
+                        <a:t>-30th </a:t>
                       </a:r>
                       <a:r>
                         <a:rPr lang="en-IE" sz="1050" dirty="0">
@@ -8508,7 +8517,7 @@
                           </a:solidFill>
                           <a:effectLst/>
                         </a:rPr>
-                        <a:t>of December </a:t>
+                        <a:t>of </a:t>
                       </a:r>
                       <a:r>
                         <a:rPr lang="en-IE" sz="1050" dirty="0" smtClean="0">
@@ -8517,7 +8526,7 @@
                           </a:solidFill>
                           <a:effectLst/>
                         </a:rPr>
-                        <a:t>2019</a:t>
+                        <a:t>November 2022</a:t>
                       </a:r>
                       <a:endParaRPr lang="en-IE" sz="1050" dirty="0">
                         <a:solidFill>
@@ -8564,7 +8573,7 @@
                           </a:solidFill>
                           <a:effectLst/>
                         </a:rPr>
-                        <a:t>2020</a:t>
+                        <a:t>2023</a:t>
                       </a:r>
                       <a:endParaRPr lang="en-IE" sz="1400" dirty="0">
                         <a:solidFill>
@@ -8741,22 +8750,13 @@
                     <a:lstStyle/>
                     <a:p>
                       <a:r>
-                        <a:rPr lang="en-IE" sz="1050" dirty="0">
-                          <a:solidFill>
-                            <a:srgbClr val="002060"/>
-                          </a:solidFill>
-                          <a:effectLst/>
-                        </a:rPr>
-                        <a:t>8</a:t>
-                      </a:r>
-                      <a:r>
                         <a:rPr lang="en-IE" sz="1050" dirty="0" smtClean="0">
                           <a:solidFill>
                             <a:srgbClr val="002060"/>
                           </a:solidFill>
                           <a:effectLst/>
                         </a:rPr>
-                        <a:t>th </a:t>
+                        <a:t>20th </a:t>
                       </a:r>
                       <a:r>
                         <a:rPr lang="en-IE" sz="1050" dirty="0">
@@ -8774,7 +8774,7 @@
                           </a:solidFill>
                           <a:effectLst/>
                         </a:rPr>
-                        <a:t>2020</a:t>
+                        <a:t>2023</a:t>
                       </a:r>
                       <a:endParaRPr lang="en-IE" sz="1050" dirty="0">
                         <a:solidFill>
@@ -8889,7 +8889,7 @@
                           </a:solidFill>
                           <a:effectLst/>
                         </a:rPr>
-                        <a:t>18th of April 2020</a:t>
+                        <a:t>15th of April 2023</a:t>
                       </a:r>
                       <a:endParaRPr lang="en-IE" sz="1050" dirty="0">
                         <a:solidFill>
@@ -8998,22 +8998,13 @@
                     <a:lstStyle/>
                     <a:p>
                       <a:r>
-                        <a:rPr lang="en-IE" sz="1050" dirty="0">
-                          <a:solidFill>
-                            <a:srgbClr val="002060"/>
-                          </a:solidFill>
-                          <a:effectLst/>
-                        </a:rPr>
-                        <a:t>Mon </a:t>
-                      </a:r>
-                      <a:r>
                         <a:rPr lang="en-IE" sz="1050" dirty="0" smtClean="0">
                           <a:solidFill>
                             <a:srgbClr val="002060"/>
                           </a:solidFill>
                           <a:effectLst/>
                         </a:rPr>
-                        <a:t>18th of May 2020</a:t>
+                        <a:t>6th of May 2023</a:t>
                       </a:r>
                       <a:endParaRPr lang="en-IE" sz="1050" dirty="0">
                         <a:solidFill>
@@ -9122,22 +9113,13 @@
                     <a:lstStyle/>
                     <a:p>
                       <a:r>
-                        <a:rPr lang="en-IE" sz="1050" dirty="0" smtClean="0">
-                          <a:solidFill>
-                            <a:srgbClr val="002060"/>
-                          </a:solidFill>
-                          <a:effectLst/>
-                        </a:rPr>
-                        <a:t>TBD</a:t>
-                      </a:r>
-                      <a:r>
                         <a:rPr lang="en-IE" sz="1050" baseline="0" dirty="0" smtClean="0">
                           <a:solidFill>
                             <a:srgbClr val="002060"/>
                           </a:solidFill>
                           <a:effectLst/>
                         </a:rPr>
-                        <a:t> July 2020</a:t>
+                        <a:t>31st July 2023</a:t>
                       </a:r>
                       <a:endParaRPr lang="en-IE" sz="1050" dirty="0">
                         <a:solidFill>
@@ -9252,7 +9234,25 @@
                           </a:solidFill>
                           <a:effectLst/>
                         </a:rPr>
-                        <a:t>TBD July 2020</a:t>
+                        <a:t>15</a:t>
+                      </a:r>
+                      <a:r>
+                        <a:rPr lang="en-IE" sz="1050" baseline="30000" dirty="0" smtClean="0">
+                          <a:solidFill>
+                            <a:srgbClr val="002060"/>
+                          </a:solidFill>
+                          <a:effectLst/>
+                        </a:rPr>
+                        <a:t>th</a:t>
+                      </a:r>
+                      <a:r>
+                        <a:rPr lang="en-IE" sz="1050" dirty="0" smtClean="0">
+                          <a:solidFill>
+                            <a:srgbClr val="002060"/>
+                          </a:solidFill>
+                          <a:effectLst/>
+                        </a:rPr>
+                        <a:t>-17th August 2023</a:t>
                       </a:r>
                       <a:endParaRPr lang="en-IE" sz="1050" dirty="0">
                         <a:solidFill>
@@ -9632,7 +9632,7 @@
               <a:buChar char="•"/>
             </a:pPr>
             <a:r>
-              <a:rPr lang="en-US" b="1" dirty="0" err="1" smtClean="0">
+              <a:rPr lang="en-US" b="1" dirty="0" err="1">
                 <a:solidFill>
                   <a:srgbClr val="FF0000"/>
                 </a:solidFill>
@@ -9645,7 +9645,23 @@
                   <a:srgbClr val="FF0000"/>
                 </a:solidFill>
               </a:rPr>
-              <a:t>://</a:t>
+              <a:t>://gitlab.computing.dcu.ie/</a:t>
+            </a:r>
+            <a:r>
+              <a:rPr lang="en-US" b="1" dirty="0" err="1">
+                <a:solidFill>
+                  <a:srgbClr val="FF0000"/>
+                </a:solidFill>
+              </a:rPr>
+              <a:t>sblott</a:t>
+            </a:r>
+            <a:r>
+              <a:rPr lang="en-US" b="1" dirty="0">
+                <a:solidFill>
+                  <a:srgbClr val="FF0000"/>
+                </a:solidFill>
+              </a:rPr>
+              <a:t>/2023-mcm-CHANGE_ME </a:t>
             </a:r>
             <a:r>
               <a:rPr lang="en-US" b="1" dirty="0" smtClean="0">
@@ -9653,7 +9669,7 @@
                   <a:srgbClr val="FF0000"/>
                 </a:solidFill>
               </a:rPr>
-              <a:t>gitlab.computing.dcu.ie/sblott/2020-mcm-master </a:t>
+              <a:t>(case </a:t>
             </a:r>
             <a:r>
               <a:rPr lang="en-US" b="1" dirty="0">
@@ -9661,23 +9677,7 @@
                   <a:srgbClr val="FF0000"/>
                 </a:solidFill>
               </a:rPr>
-              <a:t>(</a:t>
-            </a:r>
-            <a:r>
-              <a:rPr lang="en-US" b="1" dirty="0" err="1">
-                <a:solidFill>
-                  <a:srgbClr val="FF0000"/>
-                </a:solidFill>
-              </a:rPr>
-              <a:t>CaSe</a:t>
-            </a:r>
-            <a:r>
-              <a:rPr lang="en-US" b="1" dirty="0">
-                <a:solidFill>
-                  <a:srgbClr val="FF0000"/>
-                </a:solidFill>
-              </a:rPr>
-              <a:t> matters</a:t>
+              <a:t>matters</a:t>
             </a:r>
             <a:r>
               <a:rPr lang="en-US" b="1" dirty="0" smtClean="0">
@@ -9740,15 +9740,7 @@
             </a:r>
             <a:r>
               <a:rPr lang="en-IE" sz="1600" dirty="0"/>
-              <a:t>https://</a:t>
-            </a:r>
-            <a:r>
-              <a:rPr lang="en-IE" sz="1600" dirty="0" smtClean="0"/>
-              <a:t>amccarren:password@gitlab.computing.dcu.ie/sblott/2020-mcm-master.git</a:t>
-            </a:r>
-            <a:r>
-              <a:rPr lang="en-IE" sz="1600" dirty="0" smtClean="0"/>
-              <a:t> </a:t>
+              <a:t>https://gitlab.computing.dcu.ie/sblott/2023-mcm-CHANGE_ME.git</a:t>
             </a:r>
             <a:endParaRPr lang="en-IE" dirty="0" smtClean="0"/>
           </a:p>
